--- a/PROYECTO FINAL.pptx
+++ b/PROYECTO FINAL.pptx
@@ -949,7 +949,7 @@
         </p:nvSpPr>
         <p:spPr>
           <a:xfrm>
-            <a:off x="381300" y="685800"/>
+            <a:off x="381000" y="685800"/>
             <a:ext cx="6096000" cy="3429000"/>
           </a:xfrm>
           <a:custGeom>
@@ -1053,7 +1053,7 @@
         </p:nvSpPr>
         <p:spPr>
           <a:xfrm>
-            <a:off x="381300" y="685800"/>
+            <a:off x="381000" y="685800"/>
             <a:ext cx="6096000" cy="3429000"/>
           </a:xfrm>
           <a:custGeom>
@@ -1711,7 +1711,7 @@
             </a:pPr>
             <a:fld id="{00000000-1234-1234-1234-123412341234}" type="slidenum">
               <a:rPr lang="es"/>
-              <a:t>‹Nº›</a:t>
+              <a:t>‹#›</a:t>
             </a:fld>
             <a:endParaRPr/>
           </a:p>
@@ -2075,7 +2075,7 @@
             </a:pPr>
             <a:fld id="{00000000-1234-1234-1234-123412341234}" type="slidenum">
               <a:rPr lang="es"/>
-              <a:t>‹Nº›</a:t>
+              <a:t>‹#›</a:t>
             </a:fld>
             <a:endParaRPr/>
           </a:p>
@@ -2179,7 +2179,7 @@
             </a:pPr>
             <a:fld id="{00000000-1234-1234-1234-123412341234}" type="slidenum">
               <a:rPr lang="es"/>
-              <a:t>‹Nº›</a:t>
+              <a:t>‹#›</a:t>
             </a:fld>
             <a:endParaRPr/>
           </a:p>
@@ -2412,7 +2412,7 @@
             </a:pPr>
             <a:fld id="{00000000-1234-1234-1234-123412341234}" type="slidenum">
               <a:rPr lang="es"/>
-              <a:t>‹Nº›</a:t>
+              <a:t>‹#›</a:t>
             </a:fld>
             <a:endParaRPr/>
           </a:p>
@@ -2774,7 +2774,7 @@
             </a:pPr>
             <a:fld id="{00000000-1234-1234-1234-123412341234}" type="slidenum">
               <a:rPr lang="es"/>
-              <a:t>‹Nº›</a:t>
+              <a:t>‹#›</a:t>
             </a:fld>
             <a:endParaRPr/>
           </a:p>
@@ -3265,7 +3265,7 @@
             </a:pPr>
             <a:fld id="{00000000-1234-1234-1234-123412341234}" type="slidenum">
               <a:rPr lang="es"/>
-              <a:t>‹Nº›</a:t>
+              <a:t>‹#›</a:t>
             </a:fld>
             <a:endParaRPr/>
           </a:p>
@@ -3498,7 +3498,7 @@
             </a:pPr>
             <a:fld id="{00000000-1234-1234-1234-123412341234}" type="slidenum">
               <a:rPr lang="es"/>
-              <a:t>‹Nº›</a:t>
+              <a:t>‹#›</a:t>
             </a:fld>
             <a:endParaRPr/>
           </a:p>
@@ -3860,7 +3860,7 @@
             </a:pPr>
             <a:fld id="{00000000-1234-1234-1234-123412341234}" type="slidenum">
               <a:rPr lang="es"/>
-              <a:t>‹Nº›</a:t>
+              <a:t>‹#›</a:t>
             </a:fld>
             <a:endParaRPr/>
           </a:p>
@@ -4093,7 +4093,7 @@
             </a:pPr>
             <a:fld id="{00000000-1234-1234-1234-123412341234}" type="slidenum">
               <a:rPr lang="es"/>
-              <a:t>‹Nº›</a:t>
+              <a:t>‹#›</a:t>
             </a:fld>
             <a:endParaRPr/>
           </a:p>
@@ -4651,7 +4651,7 @@
             </a:pPr>
             <a:fld id="{00000000-1234-1234-1234-123412341234}" type="slidenum">
               <a:rPr lang="es"/>
-              <a:t>‹Nº›</a:t>
+              <a:t>‹#›</a:t>
             </a:fld>
             <a:endParaRPr/>
           </a:p>
@@ -4799,7 +4799,7 @@
             </a:pPr>
             <a:fld id="{00000000-1234-1234-1234-123412341234}" type="slidenum">
               <a:rPr lang="es"/>
-              <a:t>‹Nº›</a:t>
+              <a:t>‹#›</a:t>
             </a:fld>
             <a:endParaRPr/>
           </a:p>
@@ -5370,7 +5370,7 @@
             </a:pPr>
             <a:fld id="{00000000-1234-1234-1234-123412341234}" type="slidenum">
               <a:rPr lang="es"/>
-              <a:t>‹Nº›</a:t>
+              <a:t>‹#›</a:t>
             </a:fld>
             <a:endParaRPr/>
           </a:p>
@@ -7084,7 +7084,7 @@
         </p:blipFill>
         <p:spPr>
           <a:xfrm>
-            <a:off x="1385700" y="864721"/>
+            <a:off x="1571474" y="819088"/>
             <a:ext cx="928525" cy="358600"/>
           </a:xfrm>
           <a:prstGeom prst="rect">
@@ -7112,7 +7112,7 @@
         </p:blipFill>
         <p:spPr>
           <a:xfrm>
-            <a:off x="1385700" y="2398325"/>
+            <a:off x="1531129" y="2370875"/>
             <a:ext cx="1009217" cy="358600"/>
           </a:xfrm>
           <a:prstGeom prst="rect">
@@ -7140,7 +7140,7 @@
         </p:blipFill>
         <p:spPr>
           <a:xfrm>
-            <a:off x="1331950" y="3610650"/>
+            <a:off x="1544601" y="3647862"/>
             <a:ext cx="982275" cy="466751"/>
           </a:xfrm>
           <a:prstGeom prst="rect">
@@ -7493,7 +7493,7 @@
         <p:spPr>
           <a:xfrm>
             <a:off x="311700" y="1458050"/>
-            <a:ext cx="8520600" cy="2198100"/>
+            <a:ext cx="8520600" cy="2773708"/>
           </a:xfrm>
           <a:prstGeom prst="rect">
             <a:avLst/>
@@ -7501,7 +7501,7 @@
         </p:spPr>
         <p:txBody>
           <a:bodyPr spcFirstLastPara="1" wrap="square" lIns="91425" tIns="91425" rIns="91425" bIns="91425" anchor="t" anchorCtr="0">
-            <a:normAutofit fontScale="92500" lnSpcReduction="20000"/>
+            <a:normAutofit/>
           </a:bodyPr>
           <a:lstStyle/>
           <a:p>
@@ -7520,7 +7520,7 @@
               <a:buChar char="●"/>
             </a:pPr>
             <a:r>
-              <a:rPr lang="es" sz="2200">
+              <a:rPr lang="es" sz="2200" dirty="0">
                 <a:solidFill>
                   <a:schemeClr val="dk1"/>
                 </a:solidFill>
@@ -7529,9 +7529,9 @@
                 <a:cs typeface="Anton"/>
                 <a:sym typeface="Anton"/>
               </a:rPr>
-              <a:t>Forecast de ventas para toma de decisiones de compras</a:t>
-            </a:r>
-            <a:endParaRPr sz="2200">
+              <a:t>Analizar recurrencia de compras</a:t>
+            </a:r>
+            <a:endParaRPr sz="2200" dirty="0">
               <a:solidFill>
                 <a:schemeClr val="dk1"/>
               </a:solidFill>
@@ -7557,7 +7557,7 @@
               <a:buChar char="●"/>
             </a:pPr>
             <a:r>
-              <a:rPr lang="es" sz="2200">
+              <a:rPr lang="es" sz="2200" dirty="0">
                 <a:solidFill>
                   <a:schemeClr val="dk1"/>
                 </a:solidFill>
@@ -7566,9 +7566,9 @@
                 <a:cs typeface="Anton"/>
                 <a:sym typeface="Anton"/>
               </a:rPr>
-              <a:t>Analizar recurrencia de compras</a:t>
-            </a:r>
-            <a:endParaRPr sz="2200">
+              <a:t>Encontrar patrones entre los consumidores.</a:t>
+            </a:r>
+            <a:endParaRPr sz="2200" dirty="0">
               <a:solidFill>
                 <a:schemeClr val="dk1"/>
               </a:solidFill>
@@ -7594,7 +7594,7 @@
               <a:buChar char="●"/>
             </a:pPr>
             <a:r>
-              <a:rPr lang="es" sz="2200">
+              <a:rPr lang="es" sz="2200" dirty="0">
                 <a:solidFill>
                   <a:schemeClr val="dk1"/>
                 </a:solidFill>
@@ -7603,9 +7603,9 @@
                 <a:cs typeface="Anton"/>
                 <a:sym typeface="Anton"/>
               </a:rPr>
-              <a:t>Encontrar patrones entre los consumidores.</a:t>
-            </a:r>
-            <a:endParaRPr sz="2200">
+              <a:t>Encontrar grupos / patrones entre los productos adquiridos</a:t>
+            </a:r>
+            <a:endParaRPr sz="2200" dirty="0">
               <a:solidFill>
                 <a:schemeClr val="dk1"/>
               </a:solidFill>
@@ -7631,7 +7631,7 @@
               <a:buChar char="●"/>
             </a:pPr>
             <a:r>
-              <a:rPr lang="es" sz="2200">
+              <a:rPr lang="es-ES" sz="2200" dirty="0">
                 <a:solidFill>
                   <a:schemeClr val="dk1"/>
                 </a:solidFill>
@@ -7640,9 +7640,81 @@
                 <a:cs typeface="Anton"/>
                 <a:sym typeface="Anton"/>
               </a:rPr>
-              <a:t>Encontrar grupos / patrones entre los productos adquiridos</a:t>
-            </a:r>
-            <a:endParaRPr sz="2200">
+              <a:t>Predecir cuál es el </a:t>
+            </a:r>
+            <a:r>
+              <a:rPr lang="es-ES" sz="2200" dirty="0" err="1">
+                <a:solidFill>
+                  <a:schemeClr val="dk1"/>
+                </a:solidFill>
+                <a:latin typeface="Anton"/>
+                <a:ea typeface="Anton"/>
+                <a:cs typeface="Anton"/>
+                <a:sym typeface="Anton"/>
+              </a:rPr>
+              <a:t>ecommerce</a:t>
+            </a:r>
+            <a:r>
+              <a:rPr lang="es-ES" sz="2200" dirty="0">
+                <a:solidFill>
+                  <a:schemeClr val="dk1"/>
+                </a:solidFill>
+                <a:latin typeface="Anton"/>
+                <a:ea typeface="Anton"/>
+                <a:cs typeface="Anton"/>
+                <a:sym typeface="Anton"/>
+              </a:rPr>
+              <a:t> (</a:t>
+            </a:r>
+            <a:r>
+              <a:rPr lang="es-ES" sz="2200" dirty="0" err="1">
+                <a:solidFill>
+                  <a:schemeClr val="dk1"/>
+                </a:solidFill>
+                <a:latin typeface="Anton"/>
+                <a:ea typeface="Anton"/>
+                <a:cs typeface="Anton"/>
+                <a:sym typeface="Anton"/>
+              </a:rPr>
+              <a:t>vtex</a:t>
+            </a:r>
+            <a:r>
+              <a:rPr lang="es-ES" sz="2200" dirty="0">
+                <a:solidFill>
+                  <a:schemeClr val="dk1"/>
+                </a:solidFill>
+                <a:latin typeface="Anton"/>
+                <a:ea typeface="Anton"/>
+                <a:cs typeface="Anton"/>
+                <a:sym typeface="Anton"/>
+              </a:rPr>
+              <a:t> o </a:t>
+            </a:r>
+            <a:r>
+              <a:rPr lang="es-ES" sz="2200" dirty="0" err="1">
+                <a:solidFill>
+                  <a:schemeClr val="dk1"/>
+                </a:solidFill>
+                <a:latin typeface="Anton"/>
+                <a:ea typeface="Anton"/>
+                <a:cs typeface="Anton"/>
+                <a:sym typeface="Anton"/>
+              </a:rPr>
+              <a:t>meli</a:t>
+            </a:r>
+            <a:r>
+              <a:rPr lang="es-ES" sz="2200" dirty="0">
+                <a:solidFill>
+                  <a:schemeClr val="dk1"/>
+                </a:solidFill>
+                <a:latin typeface="Anton"/>
+                <a:ea typeface="Anton"/>
+                <a:cs typeface="Anton"/>
+                <a:sym typeface="Anton"/>
+              </a:rPr>
+              <a:t>) en el que un vendedor publicará un artículo determinado y venderá más, de acuerdo a ciertas características del producto.</a:t>
+            </a:r>
+            <a:endParaRPr sz="2200" dirty="0">
               <a:solidFill>
                 <a:schemeClr val="dk1"/>
               </a:solidFill>
@@ -7653,33 +7725,16 @@
             </a:endParaRPr>
           </a:p>
           <a:p>
-            <a:pPr marL="457200" lvl="0" indent="-357822" algn="l" rtl="0">
-              <a:spcBef>
-                <a:spcPts val="0"/>
-              </a:spcBef>
-              <a:spcAft>
-                <a:spcPts val="0"/>
-              </a:spcAft>
-              <a:buClr>
-                <a:schemeClr val="dk1"/>
-              </a:buClr>
-              <a:buSzPct val="100000"/>
-              <a:buFont typeface="Anton"/>
-              <a:buChar char="●"/>
+            <a:pPr marL="457200" lvl="0" indent="0" algn="l" rtl="0">
+              <a:spcBef>
+                <a:spcPts val="0"/>
+              </a:spcBef>
+              <a:spcAft>
+                <a:spcPts val="0"/>
+              </a:spcAft>
+              <a:buNone/>
             </a:pPr>
-            <a:r>
-              <a:rPr lang="es" sz="2200">
-                <a:solidFill>
-                  <a:schemeClr val="dk1"/>
-                </a:solidFill>
-                <a:latin typeface="Anton"/>
-                <a:ea typeface="Anton"/>
-                <a:cs typeface="Anton"/>
-                <a:sym typeface="Anton"/>
-              </a:rPr>
-              <a:t>Estimar ventas por Linea, marca y talles para definir mejor el volumen de curva de talles a comercializar.</a:t>
-            </a:r>
-            <a:endParaRPr sz="2200">
+            <a:endParaRPr sz="2200" dirty="0">
               <a:solidFill>
                 <a:schemeClr val="dk1"/>
               </a:solidFill>
@@ -7690,7 +7745,7 @@
             </a:endParaRPr>
           </a:p>
           <a:p>
-            <a:pPr marL="457200" lvl="0" indent="0" algn="l" rtl="0">
+            <a:pPr marL="0" lvl="0" indent="0" algn="l" rtl="0">
               <a:spcBef>
                 <a:spcPts val="0"/>
               </a:spcBef>
@@ -7699,27 +7754,7 @@
               </a:spcAft>
               <a:buNone/>
             </a:pPr>
-            <a:endParaRPr sz="2200">
-              <a:solidFill>
-                <a:schemeClr val="dk1"/>
-              </a:solidFill>
-              <a:latin typeface="Anton"/>
-              <a:ea typeface="Anton"/>
-              <a:cs typeface="Anton"/>
-              <a:sym typeface="Anton"/>
-            </a:endParaRPr>
-          </a:p>
-          <a:p>
-            <a:pPr marL="0" lvl="0" indent="0" algn="l" rtl="0">
-              <a:spcBef>
-                <a:spcPts val="0"/>
-              </a:spcBef>
-              <a:spcAft>
-                <a:spcPts val="0"/>
-              </a:spcAft>
-              <a:buNone/>
-            </a:pPr>
-            <a:endParaRPr sz="2200" i="1">
+            <a:endParaRPr sz="2200" i="1" dirty="0">
               <a:solidFill>
                 <a:schemeClr val="dk1"/>
               </a:solidFill>

--- a/PROYECTO FINAL.pptx
+++ b/PROYECTO FINAL.pptx
@@ -1711,7 +1711,7 @@
             </a:pPr>
             <a:fld id="{00000000-1234-1234-1234-123412341234}" type="slidenum">
               <a:rPr lang="es"/>
-              <a:t>‹#›</a:t>
+              <a:t>‹Nº›</a:t>
             </a:fld>
             <a:endParaRPr/>
           </a:p>
@@ -2075,7 +2075,7 @@
             </a:pPr>
             <a:fld id="{00000000-1234-1234-1234-123412341234}" type="slidenum">
               <a:rPr lang="es"/>
-              <a:t>‹#›</a:t>
+              <a:t>‹Nº›</a:t>
             </a:fld>
             <a:endParaRPr/>
           </a:p>
@@ -2179,7 +2179,7 @@
             </a:pPr>
             <a:fld id="{00000000-1234-1234-1234-123412341234}" type="slidenum">
               <a:rPr lang="es"/>
-              <a:t>‹#›</a:t>
+              <a:t>‹Nº›</a:t>
             </a:fld>
             <a:endParaRPr/>
           </a:p>
@@ -2412,7 +2412,7 @@
             </a:pPr>
             <a:fld id="{00000000-1234-1234-1234-123412341234}" type="slidenum">
               <a:rPr lang="es"/>
-              <a:t>‹#›</a:t>
+              <a:t>‹Nº›</a:t>
             </a:fld>
             <a:endParaRPr/>
           </a:p>
@@ -2774,7 +2774,7 @@
             </a:pPr>
             <a:fld id="{00000000-1234-1234-1234-123412341234}" type="slidenum">
               <a:rPr lang="es"/>
-              <a:t>‹#›</a:t>
+              <a:t>‹Nº›</a:t>
             </a:fld>
             <a:endParaRPr/>
           </a:p>
@@ -3265,7 +3265,7 @@
             </a:pPr>
             <a:fld id="{00000000-1234-1234-1234-123412341234}" type="slidenum">
               <a:rPr lang="es"/>
-              <a:t>‹#›</a:t>
+              <a:t>‹Nº›</a:t>
             </a:fld>
             <a:endParaRPr/>
           </a:p>
@@ -3498,7 +3498,7 @@
             </a:pPr>
             <a:fld id="{00000000-1234-1234-1234-123412341234}" type="slidenum">
               <a:rPr lang="es"/>
-              <a:t>‹#›</a:t>
+              <a:t>‹Nº›</a:t>
             </a:fld>
             <a:endParaRPr/>
           </a:p>
@@ -3860,7 +3860,7 @@
             </a:pPr>
             <a:fld id="{00000000-1234-1234-1234-123412341234}" type="slidenum">
               <a:rPr lang="es"/>
-              <a:t>‹#›</a:t>
+              <a:t>‹Nº›</a:t>
             </a:fld>
             <a:endParaRPr/>
           </a:p>
@@ -4093,7 +4093,7 @@
             </a:pPr>
             <a:fld id="{00000000-1234-1234-1234-123412341234}" type="slidenum">
               <a:rPr lang="es"/>
-              <a:t>‹#›</a:t>
+              <a:t>‹Nº›</a:t>
             </a:fld>
             <a:endParaRPr/>
           </a:p>
@@ -4651,7 +4651,7 @@
             </a:pPr>
             <a:fld id="{00000000-1234-1234-1234-123412341234}" type="slidenum">
               <a:rPr lang="es"/>
-              <a:t>‹#›</a:t>
+              <a:t>‹Nº›</a:t>
             </a:fld>
             <a:endParaRPr/>
           </a:p>
@@ -4799,7 +4799,7 @@
             </a:pPr>
             <a:fld id="{00000000-1234-1234-1234-123412341234}" type="slidenum">
               <a:rPr lang="es"/>
-              <a:t>‹#›</a:t>
+              <a:t>‹Nº›</a:t>
             </a:fld>
             <a:endParaRPr/>
           </a:p>
@@ -5370,7 +5370,7 @@
             </a:pPr>
             <a:fld id="{00000000-1234-1234-1234-123412341234}" type="slidenum">
               <a:rPr lang="es"/>
-              <a:t>‹#›</a:t>
+              <a:t>‹Nº›</a:t>
             </a:fld>
             <a:endParaRPr/>
           </a:p>
@@ -7712,17 +7712,8 @@
                 <a:cs typeface="Anton"/>
                 <a:sym typeface="Anton"/>
               </a:rPr>
-              <a:t>) en el que un vendedor publicará un artículo determinado y venderá más, de acuerdo a ciertas características del producto.</a:t>
-            </a:r>
-            <a:endParaRPr sz="2200" dirty="0">
-              <a:solidFill>
-                <a:schemeClr val="dk1"/>
-              </a:solidFill>
-              <a:latin typeface="Anton"/>
-              <a:ea typeface="Anton"/>
-              <a:cs typeface="Anton"/>
-              <a:sym typeface="Anton"/>
-            </a:endParaRPr>
+              <a:t>) en el que un vendedor publicará un artículo determinado y tendrá más chances de venderlo, de acuerdo a la información de ventas pasadas y ciertas características del producto.</a:t>
+            </a:r>
           </a:p>
           <a:p>
             <a:pPr marL="457200" lvl="0" indent="0" algn="l" rtl="0">
